--- a/Project2-Shiny/Shiny_RickyYue/Entropy.pptx
+++ b/Project2-Shiny/Shiny_RickyYue/Entropy.pptx
@@ -7,8 +7,9 @@
   <p:sldIdLst>
     <p:sldId id="256" r:id="rId2"/>
     <p:sldId id="257" r:id="rId3"/>
-    <p:sldId id="258" r:id="rId4"/>
-    <p:sldId id="259" r:id="rId5"/>
+    <p:sldId id="260" r:id="rId4"/>
+    <p:sldId id="258" r:id="rId5"/>
+    <p:sldId id="259" r:id="rId6"/>
   </p:sldIdLst>
   <p:sldSz cx="12192000" cy="6858000"/>
   <p:notesSz cx="6858000" cy="9144000"/>
@@ -107,6 +108,11 @@
       </a:defRPr>
     </a:lvl9pPr>
   </p:defaultTextStyle>
+  <p:extLst>
+    <p:ext uri="{EFAFB233-063F-42B5-8137-9DF3F51BA10A}">
+      <p15:sldGuideLst xmlns:p15="http://schemas.microsoft.com/office/powerpoint/2012/main"/>
+    </p:ext>
+  </p:extLst>
 </p:presentation>
 </file>
 
@@ -4051,7 +4057,14 @@
                 <a:latin typeface="Arial" panose="020B0604020202020204" pitchFamily="34" charset="0"/>
                 <a:cs typeface="Arial" panose="020B0604020202020204" pitchFamily="34" charset="0"/>
               </a:rPr>
-              <a:t>107.11% - 100% = 7.11% (</a:t>
+              <a:t>107.11</a:t>
+            </a:r>
+            <a:r>
+              <a:rPr lang="en-US" dirty="0" smtClean="0">
+                <a:latin typeface="Arial" panose="020B0604020202020204" pitchFamily="34" charset="0"/>
+                <a:cs typeface="Arial" panose="020B0604020202020204" pitchFamily="34" charset="0"/>
+              </a:rPr>
+              <a:t>% - 100% = 7.11% (</a:t>
             </a:r>
             <a:r>
               <a:rPr lang="en-US" dirty="0" err="1" smtClean="0">
@@ -4207,6 +4220,110 @@
           <a:chExt cx="0" cy="0"/>
         </a:xfrm>
       </p:grpSpPr>
+      <p:pic>
+        <p:nvPicPr>
+          <p:cNvPr id="4" name="Picture 3"/>
+          <p:cNvPicPr>
+            <a:picLocks noChangeAspect="1"/>
+          </p:cNvPicPr>
+          <p:nvPr/>
+        </p:nvPicPr>
+        <p:blipFill>
+          <a:blip r:embed="rId2"/>
+          <a:stretch>
+            <a:fillRect/>
+          </a:stretch>
+        </p:blipFill>
+        <p:spPr>
+          <a:xfrm>
+            <a:off x="1539060" y="2058815"/>
+            <a:ext cx="9286875" cy="1381125"/>
+          </a:xfrm>
+          <a:prstGeom prst="rect">
+            <a:avLst/>
+          </a:prstGeom>
+        </p:spPr>
+      </p:pic>
+      <p:sp>
+        <p:nvSpPr>
+          <p:cNvPr id="5" name="TextBox 4"/>
+          <p:cNvSpPr txBox="1"/>
+          <p:nvPr/>
+        </p:nvSpPr>
+        <p:spPr>
+          <a:xfrm>
+            <a:off x="1539060" y="1334530"/>
+            <a:ext cx="6264875" cy="461665"/>
+          </a:xfrm>
+          <a:prstGeom prst="rect">
+            <a:avLst/>
+          </a:prstGeom>
+          <a:noFill/>
+        </p:spPr>
+        <p:txBody>
+          <a:bodyPr wrap="square" rtlCol="0">
+            <a:spAutoFit/>
+          </a:bodyPr>
+          <a:lstStyle/>
+          <a:p>
+            <a:r>
+              <a:rPr lang="en-US" sz="2400" dirty="0" smtClean="0">
+                <a:latin typeface="Arial" panose="020B0604020202020204" pitchFamily="34" charset="0"/>
+                <a:cs typeface="Arial" panose="020B0604020202020204" pitchFamily="34" charset="0"/>
+              </a:rPr>
+              <a:t>Bookmakers might have different </a:t>
+            </a:r>
+            <a:r>
+              <a:rPr lang="en-US" sz="2400" dirty="0" err="1" smtClean="0">
+                <a:latin typeface="Arial" panose="020B0604020202020204" pitchFamily="34" charset="0"/>
+                <a:cs typeface="Arial" panose="020B0604020202020204" pitchFamily="34" charset="0"/>
+              </a:rPr>
+              <a:t>overround</a:t>
+            </a:r>
+            <a:r>
+              <a:rPr lang="en-US" sz="2400" dirty="0" smtClean="0">
+                <a:latin typeface="Arial" panose="020B0604020202020204" pitchFamily="34" charset="0"/>
+                <a:cs typeface="Arial" panose="020B0604020202020204" pitchFamily="34" charset="0"/>
+              </a:rPr>
+              <a:t>. </a:t>
+            </a:r>
+            <a:endParaRPr lang="en-US" sz="2400" dirty="0">
+              <a:latin typeface="Arial" panose="020B0604020202020204" pitchFamily="34" charset="0"/>
+              <a:cs typeface="Arial" panose="020B0604020202020204" pitchFamily="34" charset="0"/>
+            </a:endParaRPr>
+          </a:p>
+        </p:txBody>
+      </p:sp>
+    </p:spTree>
+    <p:extLst>
+      <p:ext uri="{BB962C8B-B14F-4D97-AF65-F5344CB8AC3E}">
+        <p14:creationId xmlns:p14="http://schemas.microsoft.com/office/powerpoint/2010/main" val="2643267476"/>
+      </p:ext>
+    </p:extLst>
+  </p:cSld>
+  <p:clrMapOvr>
+    <a:masterClrMapping/>
+  </p:clrMapOvr>
+</p:sld>
+</file>
+
+<file path=ppt/slides/slide4.xml><?xml version="1.0" encoding="utf-8"?>
+<p:sld xmlns:a="http://schemas.openxmlformats.org/drawingml/2006/main" xmlns:r="http://schemas.openxmlformats.org/officeDocument/2006/relationships" xmlns:p="http://schemas.openxmlformats.org/presentationml/2006/main">
+  <p:cSld>
+    <p:spTree>
+      <p:nvGrpSpPr>
+        <p:cNvPr id="1" name=""/>
+        <p:cNvGrpSpPr/>
+        <p:nvPr/>
+      </p:nvGrpSpPr>
+      <p:grpSpPr>
+        <a:xfrm>
+          <a:off x="0" y="0"/>
+          <a:ext cx="0" cy="0"/>
+          <a:chOff x="0" y="0"/>
+          <a:chExt cx="0" cy="0"/>
+        </a:xfrm>
+      </p:grpSpPr>
       <p:sp>
         <p:nvSpPr>
           <p:cNvPr id="3" name="Content Placeholder 2"/>
@@ -4258,14 +4375,21 @@
                 <a:latin typeface="Arial" panose="020B0604020202020204" pitchFamily="34" charset="0"/>
                 <a:cs typeface="Arial" panose="020B0604020202020204" pitchFamily="34" charset="0"/>
               </a:rPr>
-              <a:t> = </a:t>
+              <a:t> = P</a:t>
+            </a:r>
+            <a:r>
+              <a:rPr lang="en-US" baseline="-25000" dirty="0" smtClean="0">
+                <a:latin typeface="Arial" panose="020B0604020202020204" pitchFamily="34" charset="0"/>
+                <a:cs typeface="Arial" panose="020B0604020202020204" pitchFamily="34" charset="0"/>
+              </a:rPr>
+              <a:t>HW</a:t>
             </a:r>
             <a:r>
               <a:rPr lang="en-US" dirty="0" smtClean="0">
                 <a:latin typeface="Arial" panose="020B0604020202020204" pitchFamily="34" charset="0"/>
                 <a:cs typeface="Arial" panose="020B0604020202020204" pitchFamily="34" charset="0"/>
               </a:rPr>
-              <a:t>P</a:t>
+              <a:t> /(P</a:t>
             </a:r>
             <a:r>
               <a:rPr lang="en-US" baseline="-25000" dirty="0" smtClean="0">
@@ -4279,77 +4403,49 @@
                 <a:latin typeface="Arial" panose="020B0604020202020204" pitchFamily="34" charset="0"/>
                 <a:cs typeface="Arial" panose="020B0604020202020204" pitchFamily="34" charset="0"/>
               </a:rPr>
-              <a:t> /</a:t>
+              <a:t> + P</a:t>
+            </a:r>
+            <a:r>
+              <a:rPr lang="en-US" baseline="-25000" dirty="0" smtClean="0">
+                <a:latin typeface="Arial" panose="020B0604020202020204" pitchFamily="34" charset="0"/>
+                <a:cs typeface="Arial" panose="020B0604020202020204" pitchFamily="34" charset="0"/>
+              </a:rPr>
+              <a:t>D</a:t>
             </a:r>
             <a:r>
               <a:rPr lang="en-US" dirty="0" smtClean="0">
                 <a:latin typeface="Arial" panose="020B0604020202020204" pitchFamily="34" charset="0"/>
                 <a:cs typeface="Arial" panose="020B0604020202020204" pitchFamily="34" charset="0"/>
               </a:rPr>
-              <a:t>(P</a:t>
+              <a:t> + P</a:t>
             </a:r>
             <a:r>
               <a:rPr lang="en-US" baseline="-25000" dirty="0" smtClean="0">
                 <a:latin typeface="Arial" panose="020B0604020202020204" pitchFamily="34" charset="0"/>
                 <a:cs typeface="Arial" panose="020B0604020202020204" pitchFamily="34" charset="0"/>
               </a:rPr>
-              <a:t>HW</a:t>
+              <a:t>AW </a:t>
             </a:r>
             <a:r>
               <a:rPr lang="en-US" dirty="0" smtClean="0">
                 <a:latin typeface="Arial" panose="020B0604020202020204" pitchFamily="34" charset="0"/>
                 <a:cs typeface="Arial" panose="020B0604020202020204" pitchFamily="34" charset="0"/>
               </a:rPr>
-              <a:t> + P</a:t>
+              <a:t>) ,  P</a:t>
             </a:r>
             <a:r>
               <a:rPr lang="en-US" baseline="-25000" dirty="0" smtClean="0">
                 <a:latin typeface="Arial" panose="020B0604020202020204" pitchFamily="34" charset="0"/>
                 <a:cs typeface="Arial" panose="020B0604020202020204" pitchFamily="34" charset="0"/>
               </a:rPr>
-              <a:t>D</a:t>
+              <a:t>2</a:t>
             </a:r>
             <a:r>
               <a:rPr lang="en-US" dirty="0" smtClean="0">
                 <a:latin typeface="Arial" panose="020B0604020202020204" pitchFamily="34" charset="0"/>
                 <a:cs typeface="Arial" panose="020B0604020202020204" pitchFamily="34" charset="0"/>
               </a:rPr>
-              <a:t> + P</a:t>
-            </a:r>
-            <a:r>
-              <a:rPr lang="en-US" baseline="-25000" dirty="0" smtClean="0">
-                <a:latin typeface="Arial" panose="020B0604020202020204" pitchFamily="34" charset="0"/>
-                <a:cs typeface="Arial" panose="020B0604020202020204" pitchFamily="34" charset="0"/>
-              </a:rPr>
-              <a:t>AW </a:t>
-            </a:r>
-            <a:r>
-              <a:rPr lang="en-US" dirty="0" smtClean="0">
-                <a:latin typeface="Arial" panose="020B0604020202020204" pitchFamily="34" charset="0"/>
-                <a:cs typeface="Arial" panose="020B0604020202020204" pitchFamily="34" charset="0"/>
-              </a:rPr>
-              <a:t>) ,  P</a:t>
-            </a:r>
-            <a:r>
-              <a:rPr lang="en-US" baseline="-25000" dirty="0" smtClean="0">
-                <a:latin typeface="Arial" panose="020B0604020202020204" pitchFamily="34" charset="0"/>
-                <a:cs typeface="Arial" panose="020B0604020202020204" pitchFamily="34" charset="0"/>
-              </a:rPr>
-              <a:t>2</a:t>
-            </a:r>
-            <a:r>
-              <a:rPr lang="en-US" dirty="0" smtClean="0">
-                <a:latin typeface="Arial" panose="020B0604020202020204" pitchFamily="34" charset="0"/>
-                <a:cs typeface="Arial" panose="020B0604020202020204" pitchFamily="34" charset="0"/>
-              </a:rPr>
-              <a:t>=</a:t>
-            </a:r>
-            <a:r>
-              <a:rPr lang="en-US" dirty="0" smtClean="0">
-                <a:latin typeface="Arial" panose="020B0604020202020204" pitchFamily="34" charset="0"/>
-                <a:cs typeface="Arial" panose="020B0604020202020204" pitchFamily="34" charset="0"/>
-              </a:rPr>
-              <a:t>P</a:t>
+              <a:t>=P</a:t>
             </a:r>
             <a:r>
               <a:rPr lang="en-US" baseline="-25000" dirty="0" smtClean="0">
@@ -4654,10 +4750,6 @@
               </a:rPr>
               <a:t>)</a:t>
             </a:r>
-            <a:endParaRPr lang="en-US" dirty="0" smtClean="0">
-              <a:latin typeface="Arial" panose="020B0604020202020204" pitchFamily="34" charset="0"/>
-              <a:cs typeface="Arial" panose="020B0604020202020204" pitchFamily="34" charset="0"/>
-            </a:endParaRPr>
           </a:p>
           <a:p>
             <a:endParaRPr lang="en-US" dirty="0" smtClean="0">
@@ -5622,7 +5714,7 @@
 </p:sld>
 </file>
 
-<file path=ppt/slides/slide4.xml><?xml version="1.0" encoding="utf-8"?>
+<file path=ppt/slides/slide5.xml><?xml version="1.0" encoding="utf-8"?>
 <p:sld xmlns:a="http://schemas.openxmlformats.org/drawingml/2006/main" xmlns:r="http://schemas.openxmlformats.org/officeDocument/2006/relationships" xmlns:p="http://schemas.openxmlformats.org/presentationml/2006/main">
   <p:cSld>
     <p:spTree>
